--- a/Classic Models /Presentation1.pptx
+++ b/Classic Models /Presentation1.pptx
@@ -5,7 +5,7 @@
     <p:sldMasterId id="2147483762" r:id="rId1"/>
   </p:sldMasterIdLst>
   <p:notesMasterIdLst>
-    <p:notesMasterId r:id="rId13"/>
+    <p:notesMasterId r:id="rId14"/>
   </p:notesMasterIdLst>
   <p:sldIdLst>
     <p:sldId id="256" r:id="rId2"/>
@@ -19,6 +19,7 @@
     <p:sldId id="265" r:id="rId10"/>
     <p:sldId id="266" r:id="rId11"/>
     <p:sldId id="267" r:id="rId12"/>
+    <p:sldId id="268" r:id="rId13"/>
   </p:sldIdLst>
   <p:sldSz cx="12192000" cy="6858000"/>
   <p:notesSz cx="6858000" cy="9144000"/>
@@ -5921,6 +5922,223 @@
     <p:extLst>
       <p:ext uri="{BB962C8B-B14F-4D97-AF65-F5344CB8AC3E}">
         <p14:creationId xmlns:p14="http://schemas.microsoft.com/office/powerpoint/2010/main" val="3491358624"/>
+      </p:ext>
+    </p:extLst>
+  </p:cSld>
+  <p:clrMapOvr>
+    <a:masterClrMapping/>
+  </p:clrMapOvr>
+</p:sld>
+</file>
+
+<file path=ppt/slides/slide12.xml><?xml version="1.0" encoding="utf-8"?>
+<p:sld xmlns:a="http://schemas.openxmlformats.org/drawingml/2006/main" xmlns:r="http://schemas.openxmlformats.org/officeDocument/2006/relationships" xmlns:p="http://schemas.openxmlformats.org/presentationml/2006/main" show="0">
+  <p:cSld>
+    <p:bg>
+      <p:bgPr>
+        <a:solidFill>
+          <a:schemeClr val="bg1"/>
+        </a:solidFill>
+        <a:effectLst/>
+      </p:bgPr>
+    </p:bg>
+    <p:spTree>
+      <p:nvGrpSpPr>
+        <p:cNvPr id="1" name=""/>
+        <p:cNvGrpSpPr/>
+        <p:nvPr/>
+      </p:nvGrpSpPr>
+      <p:grpSpPr>
+        <a:xfrm>
+          <a:off x="0" y="0"/>
+          <a:ext cx="0" cy="0"/>
+          <a:chOff x="0" y="0"/>
+          <a:chExt cx="0" cy="0"/>
+        </a:xfrm>
+      </p:grpSpPr>
+      <p:cxnSp>
+        <p:nvCxnSpPr>
+          <p:cNvPr id="10" name="Straight Connector 9">
+            <a:extLst>
+              <a:ext uri="{FF2B5EF4-FFF2-40B4-BE49-F238E27FC236}">
+                <a16:creationId xmlns:a16="http://schemas.microsoft.com/office/drawing/2014/main" id="{D1B787A8-0D67-4B7E-9B48-86BD906AB6B5}"/>
+              </a:ext>
+              <a:ext uri="{C183D7F6-B498-43B3-948B-1728B52AA6E4}">
+                <adec:decorative xmlns:adec="http://schemas.microsoft.com/office/drawing/2017/decorative" val="1"/>
+              </a:ext>
+            </a:extLst>
+          </p:cNvPr>
+          <p:cNvCxnSpPr>
+            <a:cxnSpLocks noGrp="1" noRot="1" noChangeAspect="1" noMove="1" noResize="1" noEditPoints="1" noAdjustHandles="1" noChangeArrowheads="1" noChangeShapeType="1"/>
+          </p:cNvCxnSpPr>
+          <p:nvPr>
+            <p:extLst>
+              <p:ext uri="{386F3935-93C4-4BCD-93E2-E3B085C9AB24}">
+                <p16:designElem xmlns:p16="http://schemas.microsoft.com/office/powerpoint/2015/main" val="1"/>
+              </p:ext>
+            </p:extLst>
+          </p:nvPr>
+        </p:nvCxnSpPr>
+        <p:spPr>
+          <a:xfrm>
+            <a:off x="715890" y="1114050"/>
+            <a:ext cx="0" cy="5735637"/>
+          </a:xfrm>
+          <a:prstGeom prst="line">
+            <a:avLst/>
+          </a:prstGeom>
+          <a:ln w="25400" cap="sq">
+            <a:gradFill flip="none" rotWithShape="1">
+              <a:gsLst>
+                <a:gs pos="0">
+                  <a:schemeClr val="accent2"/>
+                </a:gs>
+                <a:gs pos="100000">
+                  <a:schemeClr val="accent4"/>
+                </a:gs>
+              </a:gsLst>
+              <a:lin ang="16200000" scaled="1"/>
+              <a:tileRect/>
+            </a:gradFill>
+            <a:bevel/>
+          </a:ln>
+        </p:spPr>
+        <p:style>
+          <a:lnRef idx="1">
+            <a:schemeClr val="accent1"/>
+          </a:lnRef>
+          <a:fillRef idx="0">
+            <a:schemeClr val="accent1"/>
+          </a:fillRef>
+          <a:effectRef idx="0">
+            <a:schemeClr val="accent1"/>
+          </a:effectRef>
+          <a:fontRef idx="minor">
+            <a:schemeClr val="tx1"/>
+          </a:fontRef>
+        </p:style>
+      </p:cxnSp>
+      <p:sp>
+        <p:nvSpPr>
+          <p:cNvPr id="12" name="Rectangle 11">
+            <a:extLst>
+              <a:ext uri="{FF2B5EF4-FFF2-40B4-BE49-F238E27FC236}">
+                <a16:creationId xmlns:a16="http://schemas.microsoft.com/office/drawing/2014/main" id="{D9FB580A-BA0E-4D5E-90F4-C42767A78389}"/>
+              </a:ext>
+              <a:ext uri="{C183D7F6-B498-43B3-948B-1728B52AA6E4}">
+                <adec:decorative xmlns:adec="http://schemas.microsoft.com/office/drawing/2017/decorative" val="1"/>
+              </a:ext>
+            </a:extLst>
+          </p:cNvPr>
+          <p:cNvSpPr>
+            <a:spLocks noGrp="1" noRot="1" noChangeAspect="1" noMove="1" noResize="1" noEditPoints="1" noAdjustHandles="1" noChangeArrowheads="1" noChangeShapeType="1" noTextEdit="1"/>
+          </p:cNvSpPr>
+          <p:nvPr>
+            <p:extLst>
+              <p:ext uri="{386F3935-93C4-4BCD-93E2-E3B085C9AB24}">
+                <p16:designElem xmlns:p16="http://schemas.microsoft.com/office/powerpoint/2015/main" val="1"/>
+              </p:ext>
+            </p:extLst>
+          </p:nvPr>
+        </p:nvSpPr>
+        <p:spPr>
+          <a:xfrm>
+            <a:off x="0" y="0"/>
+            <a:ext cx="12192000" cy="6858000"/>
+          </a:xfrm>
+          <a:prstGeom prst="rect">
+            <a:avLst/>
+          </a:prstGeom>
+          <a:gradFill flip="none" rotWithShape="1">
+            <a:gsLst>
+              <a:gs pos="100000">
+                <a:schemeClr val="accent4"/>
+              </a:gs>
+              <a:gs pos="0">
+                <a:schemeClr val="accent2"/>
+              </a:gs>
+            </a:gsLst>
+            <a:lin ang="18900000" scaled="1"/>
+            <a:tileRect/>
+          </a:gradFill>
+          <a:ln>
+            <a:noFill/>
+          </a:ln>
+        </p:spPr>
+        <p:style>
+          <a:lnRef idx="2">
+            <a:schemeClr val="accent1">
+              <a:shade val="50000"/>
+            </a:schemeClr>
+          </a:lnRef>
+          <a:fillRef idx="1">
+            <a:schemeClr val="accent1"/>
+          </a:fillRef>
+          <a:effectRef idx="0">
+            <a:schemeClr val="accent1"/>
+          </a:effectRef>
+          <a:fontRef idx="minor">
+            <a:schemeClr val="lt1"/>
+          </a:fontRef>
+        </p:style>
+        <p:txBody>
+          <a:bodyPr rtlCol="0" anchor="ctr"/>
+          <a:lstStyle/>
+          <a:p>
+            <a:pPr algn="ctr"/>
+            <a:endParaRPr lang="en-US"/>
+          </a:p>
+        </p:txBody>
+      </p:sp>
+      <p:sp>
+        <p:nvSpPr>
+          <p:cNvPr id="2" name="Title 1">
+            <a:extLst>
+              <a:ext uri="{FF2B5EF4-FFF2-40B4-BE49-F238E27FC236}">
+                <a16:creationId xmlns:a16="http://schemas.microsoft.com/office/drawing/2014/main" id="{90FEF343-6007-14D1-B2C8-80F3DB31860F}"/>
+              </a:ext>
+            </a:extLst>
+          </p:cNvPr>
+          <p:cNvSpPr>
+            <a:spLocks noGrp="1"/>
+          </p:cNvSpPr>
+          <p:nvPr>
+            <p:ph type="title"/>
+          </p:nvPr>
+        </p:nvSpPr>
+        <p:spPr>
+          <a:xfrm>
+            <a:off x="499307" y="4831645"/>
+            <a:ext cx="10976803" cy="1463136"/>
+          </a:xfrm>
+        </p:spPr>
+        <p:txBody>
+          <a:bodyPr vert="horz" lIns="91440" tIns="45720" rIns="91440" bIns="45720" rtlCol="0" anchor="b">
+            <a:normAutofit/>
+          </a:bodyPr>
+          <a:lstStyle/>
+          <a:p>
+            <a:pPr algn="ctr"/>
+            <a:r>
+              <a:rPr lang="en-SG" sz="2000" b="1" cap="all" dirty="0">
+                <a:solidFill>
+                  <a:schemeClr val="bg1"/>
+                </a:solidFill>
+              </a:rPr>
+              <a:t>- IN() - PUT MULTIPLE CONDITIONS IN BRACKETS</a:t>
+            </a:r>
+            <a:endParaRPr lang="en-US" sz="2000" b="1" cap="all" dirty="0">
+              <a:solidFill>
+                <a:schemeClr val="bg1"/>
+              </a:solidFill>
+            </a:endParaRPr>
+          </a:p>
+        </p:txBody>
+      </p:sp>
+    </p:spTree>
+    <p:extLst>
+      <p:ext uri="{BB962C8B-B14F-4D97-AF65-F5344CB8AC3E}">
+        <p14:creationId xmlns:p14="http://schemas.microsoft.com/office/powerpoint/2010/main" val="2257368493"/>
       </p:ext>
     </p:extLst>
   </p:cSld>
